--- a/Deliverables/DefectPrediction.pptx
+++ b/Deliverables/DefectPrediction.pptx
@@ -235,7 +235,7 @@
           <a:p>
             <a:fld id="{F3DA3482-0AB9-4D4C-8EA8-689CCAFAF9B2}" type="datetimeFigureOut">
               <a:rPr lang="it-IT" smtClean="0"/>
-              <a:t>16/06/2022</a:t>
+              <a:t>17/06/2022</a:t>
             </a:fld>
             <a:endParaRPr lang="it-IT"/>
           </a:p>
@@ -413,7 +413,7 @@
           <a:p>
             <a:fld id="{BD462B6C-5CDC-4E28-9F3C-CC6ED96446B0}" type="datetimeFigureOut">
               <a:rPr lang="it-IT" smtClean="0"/>
-              <a:t>16/06/2022</a:t>
+              <a:t>17/06/2022</a:t>
             </a:fld>
             <a:endParaRPr lang="it-IT"/>
           </a:p>
@@ -828,7 +828,7 @@
           <a:p>
             <a:fld id="{9D52CF94-34AB-4766-BAC3-A93A347D0D6F}" type="datetime1">
               <a:rPr lang="it-IT" smtClean="0"/>
-              <a:t>16/06/2022</a:t>
+              <a:t>17/06/2022</a:t>
             </a:fld>
             <a:endParaRPr lang="it-IT"/>
           </a:p>
@@ -1026,7 +1026,7 @@
           <a:p>
             <a:fld id="{D4106487-4589-4F6A-BE38-E04BE9A4E901}" type="datetime1">
               <a:rPr lang="it-IT" smtClean="0"/>
-              <a:t>16/06/2022</a:t>
+              <a:t>17/06/2022</a:t>
             </a:fld>
             <a:endParaRPr lang="it-IT"/>
           </a:p>
@@ -1234,7 +1234,7 @@
           <a:p>
             <a:fld id="{68BE267B-1545-4151-8CB3-B5B3E56DACF9}" type="datetime1">
               <a:rPr lang="it-IT" smtClean="0"/>
-              <a:t>16/06/2022</a:t>
+              <a:t>17/06/2022</a:t>
             </a:fld>
             <a:endParaRPr lang="it-IT"/>
           </a:p>
@@ -1432,7 +1432,7 @@
           <a:p>
             <a:fld id="{54DB93AD-7AC5-4972-8AEE-FCED13AA5DBB}" type="datetime1">
               <a:rPr lang="it-IT" smtClean="0"/>
-              <a:t>16/06/2022</a:t>
+              <a:t>17/06/2022</a:t>
             </a:fld>
             <a:endParaRPr lang="it-IT"/>
           </a:p>
@@ -1707,7 +1707,7 @@
           <a:p>
             <a:fld id="{37D8DCE8-1C1D-466A-A9F7-4CBE1D3A4CBD}" type="datetime1">
               <a:rPr lang="it-IT" smtClean="0"/>
-              <a:t>16/06/2022</a:t>
+              <a:t>17/06/2022</a:t>
             </a:fld>
             <a:endParaRPr lang="it-IT"/>
           </a:p>
@@ -1972,7 +1972,7 @@
           <a:p>
             <a:fld id="{FA83CB79-E50E-42CE-B251-24A4C0B704C6}" type="datetime1">
               <a:rPr lang="it-IT" smtClean="0"/>
-              <a:t>16/06/2022</a:t>
+              <a:t>17/06/2022</a:t>
             </a:fld>
             <a:endParaRPr lang="it-IT"/>
           </a:p>
@@ -2384,7 +2384,7 @@
           <a:p>
             <a:fld id="{98F4B393-D0A9-42BE-B62F-CD3D0B69B05D}" type="datetime1">
               <a:rPr lang="it-IT" smtClean="0"/>
-              <a:t>16/06/2022</a:t>
+              <a:t>17/06/2022</a:t>
             </a:fld>
             <a:endParaRPr lang="it-IT"/>
           </a:p>
@@ -2525,7 +2525,7 @@
           <a:p>
             <a:fld id="{D1D7FA3D-619B-4890-A7A6-9812547A6221}" type="datetime1">
               <a:rPr lang="it-IT" smtClean="0"/>
-              <a:t>16/06/2022</a:t>
+              <a:t>17/06/2022</a:t>
             </a:fld>
             <a:endParaRPr lang="it-IT"/>
           </a:p>
@@ -2638,7 +2638,7 @@
           <a:p>
             <a:fld id="{61EEBE14-FFAA-4EE7-BD1F-6FB4B531C9E8}" type="datetime1">
               <a:rPr lang="it-IT" smtClean="0"/>
-              <a:t>16/06/2022</a:t>
+              <a:t>17/06/2022</a:t>
             </a:fld>
             <a:endParaRPr lang="it-IT"/>
           </a:p>
@@ -2949,7 +2949,7 @@
           <a:p>
             <a:fld id="{4021DB60-A1BE-429F-B0B5-19BD5239D79D}" type="datetime1">
               <a:rPr lang="it-IT" smtClean="0"/>
-              <a:t>16/06/2022</a:t>
+              <a:t>17/06/2022</a:t>
             </a:fld>
             <a:endParaRPr lang="it-IT"/>
           </a:p>
@@ -3237,7 +3237,7 @@
           <a:p>
             <a:fld id="{C45053E0-43C1-4D8B-9042-47B7D9407C87}" type="datetime1">
               <a:rPr lang="it-IT" smtClean="0"/>
-              <a:t>16/06/2022</a:t>
+              <a:t>17/06/2022</a:t>
             </a:fld>
             <a:endParaRPr lang="it-IT"/>
           </a:p>
@@ -3493,7 +3493,7 @@
           <a:p>
             <a:fld id="{8CA0598F-DCBA-4B11-933E-9DDD050B6A52}" type="datetime1">
               <a:rPr lang="it-IT" smtClean="0"/>
-              <a:t>16/06/2022</a:t>
+              <a:t>17/06/2022</a:t>
             </a:fld>
             <a:endParaRPr lang="it-IT"/>
           </a:p>
@@ -8100,7 +8100,15 @@
             </a:r>
             <a:r>
               <a:rPr lang="it-IT" sz="2000" dirty="0"/>
-              <a:t> rate a 0.5 rimuovendo 50% delle release</a:t>
+              <a:t> rate </a:t>
+            </a:r>
+            <a:r>
+              <a:rPr lang="it-IT" sz="2000"/>
+              <a:t>a 0.1 </a:t>
+            </a:r>
+            <a:r>
+              <a:rPr lang="it-IT" sz="2000" dirty="0"/>
+              <a:t>rimuovendo 50% delle release</a:t>
             </a:r>
           </a:p>
           <a:p>

--- a/Deliverables/DefectPrediction.pptx
+++ b/Deliverables/DefectPrediction.pptx
@@ -235,7 +235,7 @@
           <a:p>
             <a:fld id="{F3DA3482-0AB9-4D4C-8EA8-689CCAFAF9B2}" type="datetimeFigureOut">
               <a:rPr lang="it-IT" smtClean="0"/>
-              <a:t>17/06/2022</a:t>
+              <a:t>18/06/2022</a:t>
             </a:fld>
             <a:endParaRPr lang="it-IT"/>
           </a:p>
@@ -413,7 +413,7 @@
           <a:p>
             <a:fld id="{BD462B6C-5CDC-4E28-9F3C-CC6ED96446B0}" type="datetimeFigureOut">
               <a:rPr lang="it-IT" smtClean="0"/>
-              <a:t>17/06/2022</a:t>
+              <a:t>18/06/2022</a:t>
             </a:fld>
             <a:endParaRPr lang="it-IT"/>
           </a:p>
@@ -828,7 +828,7 @@
           <a:p>
             <a:fld id="{9D52CF94-34AB-4766-BAC3-A93A347D0D6F}" type="datetime1">
               <a:rPr lang="it-IT" smtClean="0"/>
-              <a:t>17/06/2022</a:t>
+              <a:t>18/06/2022</a:t>
             </a:fld>
             <a:endParaRPr lang="it-IT"/>
           </a:p>
@@ -1026,7 +1026,7 @@
           <a:p>
             <a:fld id="{D4106487-4589-4F6A-BE38-E04BE9A4E901}" type="datetime1">
               <a:rPr lang="it-IT" smtClean="0"/>
-              <a:t>17/06/2022</a:t>
+              <a:t>18/06/2022</a:t>
             </a:fld>
             <a:endParaRPr lang="it-IT"/>
           </a:p>
@@ -1234,7 +1234,7 @@
           <a:p>
             <a:fld id="{68BE267B-1545-4151-8CB3-B5B3E56DACF9}" type="datetime1">
               <a:rPr lang="it-IT" smtClean="0"/>
-              <a:t>17/06/2022</a:t>
+              <a:t>18/06/2022</a:t>
             </a:fld>
             <a:endParaRPr lang="it-IT"/>
           </a:p>
@@ -1432,7 +1432,7 @@
           <a:p>
             <a:fld id="{54DB93AD-7AC5-4972-8AEE-FCED13AA5DBB}" type="datetime1">
               <a:rPr lang="it-IT" smtClean="0"/>
-              <a:t>17/06/2022</a:t>
+              <a:t>18/06/2022</a:t>
             </a:fld>
             <a:endParaRPr lang="it-IT"/>
           </a:p>
@@ -1707,7 +1707,7 @@
           <a:p>
             <a:fld id="{37D8DCE8-1C1D-466A-A9F7-4CBE1D3A4CBD}" type="datetime1">
               <a:rPr lang="it-IT" smtClean="0"/>
-              <a:t>17/06/2022</a:t>
+              <a:t>18/06/2022</a:t>
             </a:fld>
             <a:endParaRPr lang="it-IT"/>
           </a:p>
@@ -1972,7 +1972,7 @@
           <a:p>
             <a:fld id="{FA83CB79-E50E-42CE-B251-24A4C0B704C6}" type="datetime1">
               <a:rPr lang="it-IT" smtClean="0"/>
-              <a:t>17/06/2022</a:t>
+              <a:t>18/06/2022</a:t>
             </a:fld>
             <a:endParaRPr lang="it-IT"/>
           </a:p>
@@ -2384,7 +2384,7 @@
           <a:p>
             <a:fld id="{98F4B393-D0A9-42BE-B62F-CD3D0B69B05D}" type="datetime1">
               <a:rPr lang="it-IT" smtClean="0"/>
-              <a:t>17/06/2022</a:t>
+              <a:t>18/06/2022</a:t>
             </a:fld>
             <a:endParaRPr lang="it-IT"/>
           </a:p>
@@ -2525,7 +2525,7 @@
           <a:p>
             <a:fld id="{D1D7FA3D-619B-4890-A7A6-9812547A6221}" type="datetime1">
               <a:rPr lang="it-IT" smtClean="0"/>
-              <a:t>17/06/2022</a:t>
+              <a:t>18/06/2022</a:t>
             </a:fld>
             <a:endParaRPr lang="it-IT"/>
           </a:p>
@@ -2638,7 +2638,7 @@
           <a:p>
             <a:fld id="{61EEBE14-FFAA-4EE7-BD1F-6FB4B531C9E8}" type="datetime1">
               <a:rPr lang="it-IT" smtClean="0"/>
-              <a:t>17/06/2022</a:t>
+              <a:t>18/06/2022</a:t>
             </a:fld>
             <a:endParaRPr lang="it-IT"/>
           </a:p>
@@ -2949,7 +2949,7 @@
           <a:p>
             <a:fld id="{4021DB60-A1BE-429F-B0B5-19BD5239D79D}" type="datetime1">
               <a:rPr lang="it-IT" smtClean="0"/>
-              <a:t>17/06/2022</a:t>
+              <a:t>18/06/2022</a:t>
             </a:fld>
             <a:endParaRPr lang="it-IT"/>
           </a:p>
@@ -3237,7 +3237,7 @@
           <a:p>
             <a:fld id="{C45053E0-43C1-4D8B-9042-47B7D9407C87}" type="datetime1">
               <a:rPr lang="it-IT" smtClean="0"/>
-              <a:t>17/06/2022</a:t>
+              <a:t>18/06/2022</a:t>
             </a:fld>
             <a:endParaRPr lang="it-IT"/>
           </a:p>
@@ -3493,7 +3493,7 @@
           <a:p>
             <a:fld id="{8CA0598F-DCBA-4B11-933E-9DDD050B6A52}" type="datetime1">
               <a:rPr lang="it-IT" smtClean="0"/>
-              <a:t>17/06/2022</a:t>
+              <a:t>18/06/2022</a:t>
             </a:fld>
             <a:endParaRPr lang="it-IT"/>
           </a:p>
@@ -6435,7 +6435,7 @@
             </a:pPr>
             <a:r>
               <a:rPr lang="it-IT" sz="2000" dirty="0"/>
-              <a:t>Per i singoli dataset possiamo vedere dal valore di kappa che NB si comporta quasi come un classificatore randomico, specialmente nel caso di </a:t>
+              <a:t>Per i singoli dataset possiamo vedere dal valore di kappa che NB si comporta quasi come un classificatore dummy, specialmente nel caso di </a:t>
             </a:r>
             <a:r>
               <a:rPr lang="it-IT" sz="2000" dirty="0" err="1"/>
@@ -6805,7 +6805,7 @@
             </a:pPr>
             <a:r>
               <a:rPr lang="it-IT" sz="2000" dirty="0"/>
-              <a:t>Nel caso dei classificatori cost sensitive SMOTE peggiora le performance per il classificatore IBK, mentre migliorare le performance per gli altri due classificatori. I balancing </a:t>
+              <a:t>Nel caso dei classificatori cost sensitive SMOTE peggiora le performance per il classificatore IBK, mentre migliora le performance per gli altri due classificatori. I balancing </a:t>
             </a:r>
             <a:r>
               <a:rPr lang="it-IT" sz="2000" dirty="0" err="1"/>
